--- a/deliverables/presentation.pptx
+++ b/deliverables/presentation.pptx
@@ -7,15 +7,24 @@
   <p:sldIdLst>
     <p:sldId id="256" r:id="rId2"/>
     <p:sldId id="262" r:id="rId3"/>
-    <p:sldId id="257" r:id="rId4"/>
-    <p:sldId id="258" r:id="rId5"/>
-    <p:sldId id="263" r:id="rId6"/>
-    <p:sldId id="259" r:id="rId7"/>
-    <p:sldId id="260" r:id="rId8"/>
-    <p:sldId id="264" r:id="rId9"/>
-    <p:sldId id="261" r:id="rId10"/>
-    <p:sldId id="265" r:id="rId11"/>
-    <p:sldId id="266" r:id="rId12"/>
+    <p:sldId id="275" r:id="rId4"/>
+    <p:sldId id="257" r:id="rId5"/>
+    <p:sldId id="258" r:id="rId6"/>
+    <p:sldId id="263" r:id="rId7"/>
+    <p:sldId id="259" r:id="rId8"/>
+    <p:sldId id="260" r:id="rId9"/>
+    <p:sldId id="264" r:id="rId10"/>
+    <p:sldId id="261" r:id="rId11"/>
+    <p:sldId id="265" r:id="rId12"/>
+    <p:sldId id="267" r:id="rId13"/>
+    <p:sldId id="268" r:id="rId14"/>
+    <p:sldId id="269" r:id="rId15"/>
+    <p:sldId id="270" r:id="rId16"/>
+    <p:sldId id="271" r:id="rId17"/>
+    <p:sldId id="266" r:id="rId18"/>
+    <p:sldId id="272" r:id="rId19"/>
+    <p:sldId id="273" r:id="rId20"/>
+    <p:sldId id="274" r:id="rId21"/>
   </p:sldIdLst>
   <p:sldSz cx="12192000" cy="6858000"/>
   <p:notesSz cx="6858000" cy="9144000"/>
@@ -114,6 +123,11 @@
       </a:defRPr>
     </a:lvl9pPr>
   </p:defaultTextStyle>
+  <p:extLst>
+    <p:ext uri="{EFAFB233-063F-42B5-8137-9DF3F51BA10A}">
+      <p15:sldGuideLst xmlns:p15="http://schemas.microsoft.com/office/powerpoint/2012/main"/>
+    </p:ext>
+  </p:extLst>
 </p:presentation>
 </file>
 
@@ -264,7 +278,7 @@
           <a:p>
             <a:fld id="{FD081A69-53CC-4B51-B78A-A96CABE942BE}" type="datetimeFigureOut">
               <a:rPr lang="en-US" smtClean="0"/>
-              <a:t>11/12/2022</a:t>
+              <a:t>11/13/2022</a:t>
             </a:fld>
             <a:endParaRPr lang="en-US"/>
           </a:p>
@@ -462,7 +476,7 @@
           <a:p>
             <a:fld id="{FD081A69-53CC-4B51-B78A-A96CABE942BE}" type="datetimeFigureOut">
               <a:rPr lang="en-US" smtClean="0"/>
-              <a:t>11/12/2022</a:t>
+              <a:t>11/13/2022</a:t>
             </a:fld>
             <a:endParaRPr lang="en-US"/>
           </a:p>
@@ -670,7 +684,7 @@
           <a:p>
             <a:fld id="{FD081A69-53CC-4B51-B78A-A96CABE942BE}" type="datetimeFigureOut">
               <a:rPr lang="en-US" smtClean="0"/>
-              <a:t>11/12/2022</a:t>
+              <a:t>11/13/2022</a:t>
             </a:fld>
             <a:endParaRPr lang="en-US"/>
           </a:p>
@@ -868,7 +882,7 @@
           <a:p>
             <a:fld id="{FD081A69-53CC-4B51-B78A-A96CABE942BE}" type="datetimeFigureOut">
               <a:rPr lang="en-US" smtClean="0"/>
-              <a:t>11/12/2022</a:t>
+              <a:t>11/13/2022</a:t>
             </a:fld>
             <a:endParaRPr lang="en-US"/>
           </a:p>
@@ -1143,7 +1157,7 @@
           <a:p>
             <a:fld id="{FD081A69-53CC-4B51-B78A-A96CABE942BE}" type="datetimeFigureOut">
               <a:rPr lang="en-US" smtClean="0"/>
-              <a:t>11/12/2022</a:t>
+              <a:t>11/13/2022</a:t>
             </a:fld>
             <a:endParaRPr lang="en-US"/>
           </a:p>
@@ -1408,7 +1422,7 @@
           <a:p>
             <a:fld id="{FD081A69-53CC-4B51-B78A-A96CABE942BE}" type="datetimeFigureOut">
               <a:rPr lang="en-US" smtClean="0"/>
-              <a:t>11/12/2022</a:t>
+              <a:t>11/13/2022</a:t>
             </a:fld>
             <a:endParaRPr lang="en-US"/>
           </a:p>
@@ -1820,7 +1834,7 @@
           <a:p>
             <a:fld id="{FD081A69-53CC-4B51-B78A-A96CABE942BE}" type="datetimeFigureOut">
               <a:rPr lang="en-US" smtClean="0"/>
-              <a:t>11/12/2022</a:t>
+              <a:t>11/13/2022</a:t>
             </a:fld>
             <a:endParaRPr lang="en-US"/>
           </a:p>
@@ -1961,7 +1975,7 @@
           <a:p>
             <a:fld id="{FD081A69-53CC-4B51-B78A-A96CABE942BE}" type="datetimeFigureOut">
               <a:rPr lang="en-US" smtClean="0"/>
-              <a:t>11/12/2022</a:t>
+              <a:t>11/13/2022</a:t>
             </a:fld>
             <a:endParaRPr lang="en-US"/>
           </a:p>
@@ -2074,7 +2088,7 @@
           <a:p>
             <a:fld id="{FD081A69-53CC-4B51-B78A-A96CABE942BE}" type="datetimeFigureOut">
               <a:rPr lang="en-US" smtClean="0"/>
-              <a:t>11/12/2022</a:t>
+              <a:t>11/13/2022</a:t>
             </a:fld>
             <a:endParaRPr lang="en-US"/>
           </a:p>
@@ -2385,7 +2399,7 @@
           <a:p>
             <a:fld id="{FD081A69-53CC-4B51-B78A-A96CABE942BE}" type="datetimeFigureOut">
               <a:rPr lang="en-US" smtClean="0"/>
-              <a:t>11/12/2022</a:t>
+              <a:t>11/13/2022</a:t>
             </a:fld>
             <a:endParaRPr lang="en-US"/>
           </a:p>
@@ -2673,7 +2687,7 @@
           <a:p>
             <a:fld id="{FD081A69-53CC-4B51-B78A-A96CABE942BE}" type="datetimeFigureOut">
               <a:rPr lang="en-US" smtClean="0"/>
-              <a:t>11/12/2022</a:t>
+              <a:t>11/13/2022</a:t>
             </a:fld>
             <a:endParaRPr lang="en-US"/>
           </a:p>
@@ -2914,7 +2928,7 @@
           <a:p>
             <a:fld id="{FD081A69-53CC-4B51-B78A-A96CABE942BE}" type="datetimeFigureOut">
               <a:rPr lang="en-US" smtClean="0"/>
-              <a:t>11/12/2022</a:t>
+              <a:t>11/13/2022</a:t>
             </a:fld>
             <a:endParaRPr lang="en-US"/>
           </a:p>
@@ -3428,7 +3442,7 @@
           <p:cNvPr id="2" name="Title 1">
             <a:extLst>
               <a:ext uri="{FF2B5EF4-FFF2-40B4-BE49-F238E27FC236}">
-                <a16:creationId xmlns:a16="http://schemas.microsoft.com/office/drawing/2014/main" id="{8851E056-6CFF-6C41-83D1-34D37D1ECDAA}"/>
+                <a16:creationId xmlns:a16="http://schemas.microsoft.com/office/drawing/2014/main" id="{4CE63B03-D024-613C-8AEB-32BE96803B18}"/>
               </a:ext>
             </a:extLst>
           </p:cNvPr>
@@ -3446,25 +3460,25 @@
           <a:p>
             <a:r>
               <a:rPr lang="en-US" dirty="0"/>
-              <a:t>Results</a:t>
-            </a:r>
-          </a:p>
-        </p:txBody>
-      </p:sp>
-      <p:sp>
-        <p:nvSpPr>
-          <p:cNvPr id="3" name="Text Placeholder 2">
-            <a:extLst>
-              <a:ext uri="{FF2B5EF4-FFF2-40B4-BE49-F238E27FC236}">
-                <a16:creationId xmlns:a16="http://schemas.microsoft.com/office/drawing/2014/main" id="{6093B035-9C10-90A3-4090-9C3D0C74FECC}"/>
-              </a:ext>
-            </a:extLst>
-          </p:cNvPr>
-          <p:cNvSpPr>
-            <a:spLocks noGrp="1"/>
-          </p:cNvSpPr>
-          <p:nvPr>
-            <p:ph type="body" idx="1"/>
+              <a:t>Modeling Methodology</a:t>
+            </a:r>
+          </a:p>
+        </p:txBody>
+      </p:sp>
+      <p:sp>
+        <p:nvSpPr>
+          <p:cNvPr id="3" name="Content Placeholder 2">
+            <a:extLst>
+              <a:ext uri="{FF2B5EF4-FFF2-40B4-BE49-F238E27FC236}">
+                <a16:creationId xmlns:a16="http://schemas.microsoft.com/office/drawing/2014/main" id="{BF3A622E-DBBB-54EC-D0E1-F2EEB6A11912}"/>
+              </a:ext>
+            </a:extLst>
+          </p:cNvPr>
+          <p:cNvSpPr>
+            <a:spLocks noGrp="1"/>
+          </p:cNvSpPr>
+          <p:nvPr>
+            <p:ph idx="1"/>
           </p:nvPr>
         </p:nvSpPr>
         <p:spPr/>
@@ -3479,7 +3493,7 @@
     </p:spTree>
     <p:extLst>
       <p:ext uri="{BB962C8B-B14F-4D97-AF65-F5344CB8AC3E}">
-        <p14:creationId xmlns:p14="http://schemas.microsoft.com/office/powerpoint/2010/main" val="1473318539"/>
+        <p14:creationId xmlns:p14="http://schemas.microsoft.com/office/powerpoint/2010/main" val="1113209742"/>
       </p:ext>
     </p:extLst>
   </p:cSld>
@@ -3511,6 +3525,505 @@
           <p:cNvPr id="2" name="Title 1">
             <a:extLst>
               <a:ext uri="{FF2B5EF4-FFF2-40B4-BE49-F238E27FC236}">
+                <a16:creationId xmlns:a16="http://schemas.microsoft.com/office/drawing/2014/main" id="{8851E056-6CFF-6C41-83D1-34D37D1ECDAA}"/>
+              </a:ext>
+            </a:extLst>
+          </p:cNvPr>
+          <p:cNvSpPr>
+            <a:spLocks noGrp="1"/>
+          </p:cNvSpPr>
+          <p:nvPr>
+            <p:ph type="title"/>
+          </p:nvPr>
+        </p:nvSpPr>
+        <p:spPr/>
+        <p:txBody>
+          <a:bodyPr/>
+          <a:lstStyle/>
+          <a:p>
+            <a:r>
+              <a:rPr lang="en-US" dirty="0"/>
+              <a:t>Results</a:t>
+            </a:r>
+          </a:p>
+        </p:txBody>
+      </p:sp>
+      <p:sp>
+        <p:nvSpPr>
+          <p:cNvPr id="3" name="Text Placeholder 2">
+            <a:extLst>
+              <a:ext uri="{FF2B5EF4-FFF2-40B4-BE49-F238E27FC236}">
+                <a16:creationId xmlns:a16="http://schemas.microsoft.com/office/drawing/2014/main" id="{6093B035-9C10-90A3-4090-9C3D0C74FECC}"/>
+              </a:ext>
+            </a:extLst>
+          </p:cNvPr>
+          <p:cNvSpPr>
+            <a:spLocks noGrp="1"/>
+          </p:cNvSpPr>
+          <p:nvPr>
+            <p:ph type="body" idx="1"/>
+          </p:nvPr>
+        </p:nvSpPr>
+        <p:spPr/>
+        <p:txBody>
+          <a:bodyPr/>
+          <a:lstStyle/>
+          <a:p>
+            <a:endParaRPr lang="en-US"/>
+          </a:p>
+        </p:txBody>
+      </p:sp>
+    </p:spTree>
+    <p:extLst>
+      <p:ext uri="{BB962C8B-B14F-4D97-AF65-F5344CB8AC3E}">
+        <p14:creationId xmlns:p14="http://schemas.microsoft.com/office/powerpoint/2010/main" val="1473318539"/>
+      </p:ext>
+    </p:extLst>
+  </p:cSld>
+  <p:clrMapOvr>
+    <a:masterClrMapping/>
+  </p:clrMapOvr>
+</p:sld>
+</file>
+
+<file path=ppt/slides/slide12.xml><?xml version="1.0" encoding="utf-8"?>
+<p:sld xmlns:a="http://schemas.openxmlformats.org/drawingml/2006/main" xmlns:r="http://schemas.openxmlformats.org/officeDocument/2006/relationships" xmlns:p="http://schemas.openxmlformats.org/presentationml/2006/main">
+  <p:cSld>
+    <p:spTree>
+      <p:nvGrpSpPr>
+        <p:cNvPr id="1" name=""/>
+        <p:cNvGrpSpPr/>
+        <p:nvPr/>
+      </p:nvGrpSpPr>
+      <p:grpSpPr>
+        <a:xfrm>
+          <a:off x="0" y="0"/>
+          <a:ext cx="0" cy="0"/>
+          <a:chOff x="0" y="0"/>
+          <a:chExt cx="0" cy="0"/>
+        </a:xfrm>
+      </p:grpSpPr>
+      <p:sp>
+        <p:nvSpPr>
+          <p:cNvPr id="2" name="Title 1">
+            <a:extLst>
+              <a:ext uri="{FF2B5EF4-FFF2-40B4-BE49-F238E27FC236}">
+                <a16:creationId xmlns:a16="http://schemas.microsoft.com/office/drawing/2014/main" id="{186FD606-972D-D463-BFE5-6CCDCF969393}"/>
+              </a:ext>
+            </a:extLst>
+          </p:cNvPr>
+          <p:cNvSpPr>
+            <a:spLocks noGrp="1"/>
+          </p:cNvSpPr>
+          <p:nvPr>
+            <p:ph type="title"/>
+          </p:nvPr>
+        </p:nvSpPr>
+        <p:spPr/>
+        <p:txBody>
+          <a:bodyPr/>
+          <a:lstStyle/>
+          <a:p>
+            <a:r>
+              <a:rPr lang="en-US" dirty="0"/>
+              <a:t>LASSO Logistic Regression</a:t>
+            </a:r>
+          </a:p>
+        </p:txBody>
+      </p:sp>
+      <p:sp>
+        <p:nvSpPr>
+          <p:cNvPr id="3" name="Content Placeholder 2">
+            <a:extLst>
+              <a:ext uri="{FF2B5EF4-FFF2-40B4-BE49-F238E27FC236}">
+                <a16:creationId xmlns:a16="http://schemas.microsoft.com/office/drawing/2014/main" id="{01FACE43-3E03-038C-BF32-1B3A84DB338B}"/>
+              </a:ext>
+            </a:extLst>
+          </p:cNvPr>
+          <p:cNvSpPr>
+            <a:spLocks noGrp="1"/>
+          </p:cNvSpPr>
+          <p:nvPr>
+            <p:ph idx="1"/>
+          </p:nvPr>
+        </p:nvSpPr>
+        <p:spPr/>
+        <p:txBody>
+          <a:bodyPr/>
+          <a:lstStyle/>
+          <a:p>
+            <a:endParaRPr lang="en-US"/>
+          </a:p>
+        </p:txBody>
+      </p:sp>
+    </p:spTree>
+    <p:extLst>
+      <p:ext uri="{BB962C8B-B14F-4D97-AF65-F5344CB8AC3E}">
+        <p14:creationId xmlns:p14="http://schemas.microsoft.com/office/powerpoint/2010/main" val="2502247955"/>
+      </p:ext>
+    </p:extLst>
+  </p:cSld>
+  <p:clrMapOvr>
+    <a:masterClrMapping/>
+  </p:clrMapOvr>
+</p:sld>
+</file>
+
+<file path=ppt/slides/slide13.xml><?xml version="1.0" encoding="utf-8"?>
+<p:sld xmlns:a="http://schemas.openxmlformats.org/drawingml/2006/main" xmlns:r="http://schemas.openxmlformats.org/officeDocument/2006/relationships" xmlns:p="http://schemas.openxmlformats.org/presentationml/2006/main">
+  <p:cSld>
+    <p:spTree>
+      <p:nvGrpSpPr>
+        <p:cNvPr id="1" name=""/>
+        <p:cNvGrpSpPr/>
+        <p:nvPr/>
+      </p:nvGrpSpPr>
+      <p:grpSpPr>
+        <a:xfrm>
+          <a:off x="0" y="0"/>
+          <a:ext cx="0" cy="0"/>
+          <a:chOff x="0" y="0"/>
+          <a:chExt cx="0" cy="0"/>
+        </a:xfrm>
+      </p:grpSpPr>
+      <p:sp>
+        <p:nvSpPr>
+          <p:cNvPr id="2" name="Title 1">
+            <a:extLst>
+              <a:ext uri="{FF2B5EF4-FFF2-40B4-BE49-F238E27FC236}">
+                <a16:creationId xmlns:a16="http://schemas.microsoft.com/office/drawing/2014/main" id="{1B88D82C-0BE0-5A0F-B101-99E454DFDC19}"/>
+              </a:ext>
+            </a:extLst>
+          </p:cNvPr>
+          <p:cNvSpPr>
+            <a:spLocks noGrp="1"/>
+          </p:cNvSpPr>
+          <p:nvPr>
+            <p:ph type="title"/>
+          </p:nvPr>
+        </p:nvSpPr>
+        <p:spPr/>
+        <p:txBody>
+          <a:bodyPr/>
+          <a:lstStyle/>
+          <a:p>
+            <a:r>
+              <a:rPr lang="en-US" dirty="0"/>
+              <a:t>Random Forest</a:t>
+            </a:r>
+          </a:p>
+        </p:txBody>
+      </p:sp>
+      <p:sp>
+        <p:nvSpPr>
+          <p:cNvPr id="3" name="Content Placeholder 2">
+            <a:extLst>
+              <a:ext uri="{FF2B5EF4-FFF2-40B4-BE49-F238E27FC236}">
+                <a16:creationId xmlns:a16="http://schemas.microsoft.com/office/drawing/2014/main" id="{4359B40C-ED07-4B42-C53C-D0C8E54444F6}"/>
+              </a:ext>
+            </a:extLst>
+          </p:cNvPr>
+          <p:cNvSpPr>
+            <a:spLocks noGrp="1"/>
+          </p:cNvSpPr>
+          <p:nvPr>
+            <p:ph idx="1"/>
+          </p:nvPr>
+        </p:nvSpPr>
+        <p:spPr/>
+        <p:txBody>
+          <a:bodyPr/>
+          <a:lstStyle/>
+          <a:p>
+            <a:endParaRPr lang="en-US"/>
+          </a:p>
+        </p:txBody>
+      </p:sp>
+    </p:spTree>
+    <p:extLst>
+      <p:ext uri="{BB962C8B-B14F-4D97-AF65-F5344CB8AC3E}">
+        <p14:creationId xmlns:p14="http://schemas.microsoft.com/office/powerpoint/2010/main" val="3058662348"/>
+      </p:ext>
+    </p:extLst>
+  </p:cSld>
+  <p:clrMapOvr>
+    <a:masterClrMapping/>
+  </p:clrMapOvr>
+</p:sld>
+</file>
+
+<file path=ppt/slides/slide14.xml><?xml version="1.0" encoding="utf-8"?>
+<p:sld xmlns:a="http://schemas.openxmlformats.org/drawingml/2006/main" xmlns:r="http://schemas.openxmlformats.org/officeDocument/2006/relationships" xmlns:p="http://schemas.openxmlformats.org/presentationml/2006/main">
+  <p:cSld>
+    <p:spTree>
+      <p:nvGrpSpPr>
+        <p:cNvPr id="1" name=""/>
+        <p:cNvGrpSpPr/>
+        <p:nvPr/>
+      </p:nvGrpSpPr>
+      <p:grpSpPr>
+        <a:xfrm>
+          <a:off x="0" y="0"/>
+          <a:ext cx="0" cy="0"/>
+          <a:chOff x="0" y="0"/>
+          <a:chExt cx="0" cy="0"/>
+        </a:xfrm>
+      </p:grpSpPr>
+      <p:sp>
+        <p:nvSpPr>
+          <p:cNvPr id="2" name="Title 1">
+            <a:extLst>
+              <a:ext uri="{FF2B5EF4-FFF2-40B4-BE49-F238E27FC236}">
+                <a16:creationId xmlns:a16="http://schemas.microsoft.com/office/drawing/2014/main" id="{DFA710FC-280F-598D-F2E4-2E49E640E1A6}"/>
+              </a:ext>
+            </a:extLst>
+          </p:cNvPr>
+          <p:cNvSpPr>
+            <a:spLocks noGrp="1"/>
+          </p:cNvSpPr>
+          <p:nvPr>
+            <p:ph type="title"/>
+          </p:nvPr>
+        </p:nvSpPr>
+        <p:spPr/>
+        <p:txBody>
+          <a:bodyPr/>
+          <a:lstStyle/>
+          <a:p>
+            <a:r>
+              <a:rPr lang="en-US" dirty="0" err="1"/>
+              <a:t>XGBoost</a:t>
+            </a:r>
+            <a:endParaRPr lang="en-US" dirty="0"/>
+          </a:p>
+        </p:txBody>
+      </p:sp>
+      <p:sp>
+        <p:nvSpPr>
+          <p:cNvPr id="3" name="Content Placeholder 2">
+            <a:extLst>
+              <a:ext uri="{FF2B5EF4-FFF2-40B4-BE49-F238E27FC236}">
+                <a16:creationId xmlns:a16="http://schemas.microsoft.com/office/drawing/2014/main" id="{FF9535BB-5C4B-1501-B161-803FA2C2A07A}"/>
+              </a:ext>
+            </a:extLst>
+          </p:cNvPr>
+          <p:cNvSpPr>
+            <a:spLocks noGrp="1"/>
+          </p:cNvSpPr>
+          <p:nvPr>
+            <p:ph idx="1"/>
+          </p:nvPr>
+        </p:nvSpPr>
+        <p:spPr/>
+        <p:txBody>
+          <a:bodyPr/>
+          <a:lstStyle/>
+          <a:p>
+            <a:endParaRPr lang="en-US"/>
+          </a:p>
+        </p:txBody>
+      </p:sp>
+    </p:spTree>
+    <p:extLst>
+      <p:ext uri="{BB962C8B-B14F-4D97-AF65-F5344CB8AC3E}">
+        <p14:creationId xmlns:p14="http://schemas.microsoft.com/office/powerpoint/2010/main" val="305070751"/>
+      </p:ext>
+    </p:extLst>
+  </p:cSld>
+  <p:clrMapOvr>
+    <a:masterClrMapping/>
+  </p:clrMapOvr>
+</p:sld>
+</file>
+
+<file path=ppt/slides/slide15.xml><?xml version="1.0" encoding="utf-8"?>
+<p:sld xmlns:a="http://schemas.openxmlformats.org/drawingml/2006/main" xmlns:r="http://schemas.openxmlformats.org/officeDocument/2006/relationships" xmlns:p="http://schemas.openxmlformats.org/presentationml/2006/main">
+  <p:cSld>
+    <p:spTree>
+      <p:nvGrpSpPr>
+        <p:cNvPr id="1" name=""/>
+        <p:cNvGrpSpPr/>
+        <p:nvPr/>
+      </p:nvGrpSpPr>
+      <p:grpSpPr>
+        <a:xfrm>
+          <a:off x="0" y="0"/>
+          <a:ext cx="0" cy="0"/>
+          <a:chOff x="0" y="0"/>
+          <a:chExt cx="0" cy="0"/>
+        </a:xfrm>
+      </p:grpSpPr>
+      <p:sp>
+        <p:nvSpPr>
+          <p:cNvPr id="2" name="Title 1">
+            <a:extLst>
+              <a:ext uri="{FF2B5EF4-FFF2-40B4-BE49-F238E27FC236}">
+                <a16:creationId xmlns:a16="http://schemas.microsoft.com/office/drawing/2014/main" id="{1CF28C2A-F431-3490-1E6E-C56519ABDFDA}"/>
+              </a:ext>
+            </a:extLst>
+          </p:cNvPr>
+          <p:cNvSpPr>
+            <a:spLocks noGrp="1"/>
+          </p:cNvSpPr>
+          <p:nvPr>
+            <p:ph type="title"/>
+          </p:nvPr>
+        </p:nvSpPr>
+        <p:spPr/>
+        <p:txBody>
+          <a:bodyPr/>
+          <a:lstStyle/>
+          <a:p>
+            <a:r>
+              <a:rPr lang="en-US" dirty="0"/>
+              <a:t>Meta Model with Probability Predictors</a:t>
+            </a:r>
+          </a:p>
+        </p:txBody>
+      </p:sp>
+      <p:sp>
+        <p:nvSpPr>
+          <p:cNvPr id="3" name="Content Placeholder 2">
+            <a:extLst>
+              <a:ext uri="{FF2B5EF4-FFF2-40B4-BE49-F238E27FC236}">
+                <a16:creationId xmlns:a16="http://schemas.microsoft.com/office/drawing/2014/main" id="{5E871DDD-ED5F-5251-CE2B-990F0FD12479}"/>
+              </a:ext>
+            </a:extLst>
+          </p:cNvPr>
+          <p:cNvSpPr>
+            <a:spLocks noGrp="1"/>
+          </p:cNvSpPr>
+          <p:nvPr>
+            <p:ph idx="1"/>
+          </p:nvPr>
+        </p:nvSpPr>
+        <p:spPr/>
+        <p:txBody>
+          <a:bodyPr/>
+          <a:lstStyle/>
+          <a:p>
+            <a:endParaRPr lang="en-US"/>
+          </a:p>
+        </p:txBody>
+      </p:sp>
+    </p:spTree>
+    <p:extLst>
+      <p:ext uri="{BB962C8B-B14F-4D97-AF65-F5344CB8AC3E}">
+        <p14:creationId xmlns:p14="http://schemas.microsoft.com/office/powerpoint/2010/main" val="3020992862"/>
+      </p:ext>
+    </p:extLst>
+  </p:cSld>
+  <p:clrMapOvr>
+    <a:masterClrMapping/>
+  </p:clrMapOvr>
+</p:sld>
+</file>
+
+<file path=ppt/slides/slide16.xml><?xml version="1.0" encoding="utf-8"?>
+<p:sld xmlns:a="http://schemas.openxmlformats.org/drawingml/2006/main" xmlns:r="http://schemas.openxmlformats.org/officeDocument/2006/relationships" xmlns:p="http://schemas.openxmlformats.org/presentationml/2006/main">
+  <p:cSld>
+    <p:spTree>
+      <p:nvGrpSpPr>
+        <p:cNvPr id="1" name=""/>
+        <p:cNvGrpSpPr/>
+        <p:nvPr/>
+      </p:nvGrpSpPr>
+      <p:grpSpPr>
+        <a:xfrm>
+          <a:off x="0" y="0"/>
+          <a:ext cx="0" cy="0"/>
+          <a:chOff x="0" y="0"/>
+          <a:chExt cx="0" cy="0"/>
+        </a:xfrm>
+      </p:grpSpPr>
+      <p:sp>
+        <p:nvSpPr>
+          <p:cNvPr id="2" name="Title 1">
+            <a:extLst>
+              <a:ext uri="{FF2B5EF4-FFF2-40B4-BE49-F238E27FC236}">
+                <a16:creationId xmlns:a16="http://schemas.microsoft.com/office/drawing/2014/main" id="{3CF65A7B-379C-7987-0AC6-5A5FB424294B}"/>
+              </a:ext>
+            </a:extLst>
+          </p:cNvPr>
+          <p:cNvSpPr>
+            <a:spLocks noGrp="1"/>
+          </p:cNvSpPr>
+          <p:nvPr>
+            <p:ph type="title"/>
+          </p:nvPr>
+        </p:nvSpPr>
+        <p:spPr/>
+        <p:txBody>
+          <a:bodyPr/>
+          <a:lstStyle/>
+          <a:p>
+            <a:r>
+              <a:rPr lang="en-US" dirty="0"/>
+              <a:t>Meta Model with Boolean Predictors</a:t>
+            </a:r>
+          </a:p>
+        </p:txBody>
+      </p:sp>
+      <p:sp>
+        <p:nvSpPr>
+          <p:cNvPr id="3" name="Content Placeholder 2">
+            <a:extLst>
+              <a:ext uri="{FF2B5EF4-FFF2-40B4-BE49-F238E27FC236}">
+                <a16:creationId xmlns:a16="http://schemas.microsoft.com/office/drawing/2014/main" id="{E093DF89-53A2-3FFF-3294-0498F7787DBD}"/>
+              </a:ext>
+            </a:extLst>
+          </p:cNvPr>
+          <p:cNvSpPr>
+            <a:spLocks noGrp="1"/>
+          </p:cNvSpPr>
+          <p:nvPr>
+            <p:ph idx="1"/>
+          </p:nvPr>
+        </p:nvSpPr>
+        <p:spPr/>
+        <p:txBody>
+          <a:bodyPr/>
+          <a:lstStyle/>
+          <a:p>
+            <a:endParaRPr lang="en-US"/>
+          </a:p>
+        </p:txBody>
+      </p:sp>
+    </p:spTree>
+    <p:extLst>
+      <p:ext uri="{BB962C8B-B14F-4D97-AF65-F5344CB8AC3E}">
+        <p14:creationId xmlns:p14="http://schemas.microsoft.com/office/powerpoint/2010/main" val="4078893462"/>
+      </p:ext>
+    </p:extLst>
+  </p:cSld>
+  <p:clrMapOvr>
+    <a:masterClrMapping/>
+  </p:clrMapOvr>
+</p:sld>
+</file>
+
+<file path=ppt/slides/slide17.xml><?xml version="1.0" encoding="utf-8"?>
+<p:sld xmlns:a="http://schemas.openxmlformats.org/drawingml/2006/main" xmlns:r="http://schemas.openxmlformats.org/officeDocument/2006/relationships" xmlns:p="http://schemas.openxmlformats.org/presentationml/2006/main">
+  <p:cSld>
+    <p:spTree>
+      <p:nvGrpSpPr>
+        <p:cNvPr id="1" name=""/>
+        <p:cNvGrpSpPr/>
+        <p:nvPr/>
+      </p:nvGrpSpPr>
+      <p:grpSpPr>
+        <a:xfrm>
+          <a:off x="0" y="0"/>
+          <a:ext cx="0" cy="0"/>
+          <a:chOff x="0" y="0"/>
+          <a:chExt cx="0" cy="0"/>
+        </a:xfrm>
+      </p:grpSpPr>
+      <p:sp>
+        <p:nvSpPr>
+          <p:cNvPr id="2" name="Title 1">
+            <a:extLst>
+              <a:ext uri="{FF2B5EF4-FFF2-40B4-BE49-F238E27FC236}">
                 <a16:creationId xmlns:a16="http://schemas.microsoft.com/office/drawing/2014/main" id="{4D01FA62-4406-E029-E0A3-F9E2FCA22D59}"/>
               </a:ext>
             </a:extLst>
@@ -3563,6 +4076,166 @@
     <p:extLst>
       <p:ext uri="{BB962C8B-B14F-4D97-AF65-F5344CB8AC3E}">
         <p14:creationId xmlns:p14="http://schemas.microsoft.com/office/powerpoint/2010/main" val="3299831313"/>
+      </p:ext>
+    </p:extLst>
+  </p:cSld>
+  <p:clrMapOvr>
+    <a:masterClrMapping/>
+  </p:clrMapOvr>
+</p:sld>
+</file>
+
+<file path=ppt/slides/slide18.xml><?xml version="1.0" encoding="utf-8"?>
+<p:sld xmlns:a="http://schemas.openxmlformats.org/drawingml/2006/main" xmlns:r="http://schemas.openxmlformats.org/officeDocument/2006/relationships" xmlns:p="http://schemas.openxmlformats.org/presentationml/2006/main">
+  <p:cSld>
+    <p:spTree>
+      <p:nvGrpSpPr>
+        <p:cNvPr id="1" name=""/>
+        <p:cNvGrpSpPr/>
+        <p:nvPr/>
+      </p:nvGrpSpPr>
+      <p:grpSpPr>
+        <a:xfrm>
+          <a:off x="0" y="0"/>
+          <a:ext cx="0" cy="0"/>
+          <a:chOff x="0" y="0"/>
+          <a:chExt cx="0" cy="0"/>
+        </a:xfrm>
+      </p:grpSpPr>
+      <p:sp>
+        <p:nvSpPr>
+          <p:cNvPr id="2" name="Title 1">
+            <a:extLst>
+              <a:ext uri="{FF2B5EF4-FFF2-40B4-BE49-F238E27FC236}">
+                <a16:creationId xmlns:a16="http://schemas.microsoft.com/office/drawing/2014/main" id="{1A285BE3-7331-5185-DB82-5B11F476C334}"/>
+              </a:ext>
+            </a:extLst>
+          </p:cNvPr>
+          <p:cNvSpPr>
+            <a:spLocks noGrp="1"/>
+          </p:cNvSpPr>
+          <p:nvPr>
+            <p:ph type="title"/>
+          </p:nvPr>
+        </p:nvSpPr>
+        <p:spPr/>
+        <p:txBody>
+          <a:bodyPr/>
+          <a:lstStyle/>
+          <a:p>
+            <a:endParaRPr lang="en-US"/>
+          </a:p>
+        </p:txBody>
+      </p:sp>
+      <p:sp>
+        <p:nvSpPr>
+          <p:cNvPr id="3" name="Content Placeholder 2">
+            <a:extLst>
+              <a:ext uri="{FF2B5EF4-FFF2-40B4-BE49-F238E27FC236}">
+                <a16:creationId xmlns:a16="http://schemas.microsoft.com/office/drawing/2014/main" id="{996A198D-9045-6256-94AC-C494EFE2A53F}"/>
+              </a:ext>
+            </a:extLst>
+          </p:cNvPr>
+          <p:cNvSpPr>
+            <a:spLocks noGrp="1"/>
+          </p:cNvSpPr>
+          <p:nvPr>
+            <p:ph idx="1"/>
+          </p:nvPr>
+        </p:nvSpPr>
+        <p:spPr/>
+        <p:txBody>
+          <a:bodyPr/>
+          <a:lstStyle/>
+          <a:p>
+            <a:endParaRPr lang="en-US"/>
+          </a:p>
+        </p:txBody>
+      </p:sp>
+    </p:spTree>
+    <p:extLst>
+      <p:ext uri="{BB962C8B-B14F-4D97-AF65-F5344CB8AC3E}">
+        <p14:creationId xmlns:p14="http://schemas.microsoft.com/office/powerpoint/2010/main" val="1142382306"/>
+      </p:ext>
+    </p:extLst>
+  </p:cSld>
+  <p:clrMapOvr>
+    <a:masterClrMapping/>
+  </p:clrMapOvr>
+</p:sld>
+</file>
+
+<file path=ppt/slides/slide19.xml><?xml version="1.0" encoding="utf-8"?>
+<p:sld xmlns:a="http://schemas.openxmlformats.org/drawingml/2006/main" xmlns:r="http://schemas.openxmlformats.org/officeDocument/2006/relationships" xmlns:p="http://schemas.openxmlformats.org/presentationml/2006/main">
+  <p:cSld>
+    <p:spTree>
+      <p:nvGrpSpPr>
+        <p:cNvPr id="1" name=""/>
+        <p:cNvGrpSpPr/>
+        <p:nvPr/>
+      </p:nvGrpSpPr>
+      <p:grpSpPr>
+        <a:xfrm>
+          <a:off x="0" y="0"/>
+          <a:ext cx="0" cy="0"/>
+          <a:chOff x="0" y="0"/>
+          <a:chExt cx="0" cy="0"/>
+        </a:xfrm>
+      </p:grpSpPr>
+      <p:sp>
+        <p:nvSpPr>
+          <p:cNvPr id="2" name="Title 1">
+            <a:extLst>
+              <a:ext uri="{FF2B5EF4-FFF2-40B4-BE49-F238E27FC236}">
+                <a16:creationId xmlns:a16="http://schemas.microsoft.com/office/drawing/2014/main" id="{E9AAD878-A2BD-4E55-8C21-CDF271FF1D74}"/>
+              </a:ext>
+            </a:extLst>
+          </p:cNvPr>
+          <p:cNvSpPr>
+            <a:spLocks noGrp="1"/>
+          </p:cNvSpPr>
+          <p:nvPr>
+            <p:ph type="title"/>
+          </p:nvPr>
+        </p:nvSpPr>
+        <p:spPr/>
+        <p:txBody>
+          <a:bodyPr/>
+          <a:lstStyle/>
+          <a:p>
+            <a:endParaRPr lang="en-US" dirty="0"/>
+          </a:p>
+        </p:txBody>
+      </p:sp>
+      <p:sp>
+        <p:nvSpPr>
+          <p:cNvPr id="3" name="Content Placeholder 2">
+            <a:extLst>
+              <a:ext uri="{FF2B5EF4-FFF2-40B4-BE49-F238E27FC236}">
+                <a16:creationId xmlns:a16="http://schemas.microsoft.com/office/drawing/2014/main" id="{37E4177C-C5D2-0E13-19F5-82FD80E7C6A2}"/>
+              </a:ext>
+            </a:extLst>
+          </p:cNvPr>
+          <p:cNvSpPr>
+            <a:spLocks noGrp="1"/>
+          </p:cNvSpPr>
+          <p:nvPr>
+            <p:ph idx="1"/>
+          </p:nvPr>
+        </p:nvSpPr>
+        <p:spPr/>
+        <p:txBody>
+          <a:bodyPr/>
+          <a:lstStyle/>
+          <a:p>
+            <a:endParaRPr lang="en-US"/>
+          </a:p>
+        </p:txBody>
+      </p:sp>
+    </p:spTree>
+    <p:extLst>
+      <p:ext uri="{BB962C8B-B14F-4D97-AF65-F5344CB8AC3E}">
+        <p14:creationId xmlns:p14="http://schemas.microsoft.com/office/powerpoint/2010/main" val="2938706433"/>
       </p:ext>
     </p:extLst>
   </p:cSld>
@@ -3655,6 +4328,89 @@
 </p:sld>
 </file>
 
+<file path=ppt/slides/slide20.xml><?xml version="1.0" encoding="utf-8"?>
+<p:sld xmlns:a="http://schemas.openxmlformats.org/drawingml/2006/main" xmlns:r="http://schemas.openxmlformats.org/officeDocument/2006/relationships" xmlns:p="http://schemas.openxmlformats.org/presentationml/2006/main">
+  <p:cSld>
+    <p:spTree>
+      <p:nvGrpSpPr>
+        <p:cNvPr id="1" name=""/>
+        <p:cNvGrpSpPr/>
+        <p:nvPr/>
+      </p:nvGrpSpPr>
+      <p:grpSpPr>
+        <a:xfrm>
+          <a:off x="0" y="0"/>
+          <a:ext cx="0" cy="0"/>
+          <a:chOff x="0" y="0"/>
+          <a:chExt cx="0" cy="0"/>
+        </a:xfrm>
+      </p:grpSpPr>
+      <p:sp>
+        <p:nvSpPr>
+          <p:cNvPr id="2" name="Title 1">
+            <a:extLst>
+              <a:ext uri="{FF2B5EF4-FFF2-40B4-BE49-F238E27FC236}">
+                <a16:creationId xmlns:a16="http://schemas.microsoft.com/office/drawing/2014/main" id="{209E8817-C674-C3AA-13C0-5CD23669DE17}"/>
+              </a:ext>
+            </a:extLst>
+          </p:cNvPr>
+          <p:cNvSpPr>
+            <a:spLocks noGrp="1"/>
+          </p:cNvSpPr>
+          <p:nvPr>
+            <p:ph type="title"/>
+          </p:nvPr>
+        </p:nvSpPr>
+        <p:spPr/>
+        <p:txBody>
+          <a:bodyPr/>
+          <a:lstStyle/>
+          <a:p>
+            <a:r>
+              <a:rPr lang="en-US" dirty="0"/>
+              <a:t>End</a:t>
+            </a:r>
+          </a:p>
+        </p:txBody>
+      </p:sp>
+      <p:sp>
+        <p:nvSpPr>
+          <p:cNvPr id="3" name="Text Placeholder 2">
+            <a:extLst>
+              <a:ext uri="{FF2B5EF4-FFF2-40B4-BE49-F238E27FC236}">
+                <a16:creationId xmlns:a16="http://schemas.microsoft.com/office/drawing/2014/main" id="{7474F22D-502C-10FD-171C-8C16F5BB6661}"/>
+              </a:ext>
+            </a:extLst>
+          </p:cNvPr>
+          <p:cNvSpPr>
+            <a:spLocks noGrp="1"/>
+          </p:cNvSpPr>
+          <p:nvPr>
+            <p:ph type="body" idx="1"/>
+          </p:nvPr>
+        </p:nvSpPr>
+        <p:spPr/>
+        <p:txBody>
+          <a:bodyPr/>
+          <a:lstStyle/>
+          <a:p>
+            <a:endParaRPr lang="en-US"/>
+          </a:p>
+        </p:txBody>
+      </p:sp>
+    </p:spTree>
+    <p:extLst>
+      <p:ext uri="{BB962C8B-B14F-4D97-AF65-F5344CB8AC3E}">
+        <p14:creationId xmlns:p14="http://schemas.microsoft.com/office/powerpoint/2010/main" val="3105009659"/>
+      </p:ext>
+    </p:extLst>
+  </p:cSld>
+  <p:clrMapOvr>
+    <a:masterClrMapping/>
+  </p:clrMapOvr>
+</p:sld>
+</file>
+
 <file path=ppt/slides/slide3.xml><?xml version="1.0" encoding="utf-8"?>
 <p:sld xmlns:a="http://schemas.openxmlformats.org/drawingml/2006/main" xmlns:r="http://schemas.openxmlformats.org/officeDocument/2006/relationships" xmlns:p="http://schemas.openxmlformats.org/presentationml/2006/main">
   <p:cSld>
@@ -3677,7 +4433,7 @@
           <p:cNvPr id="2" name="Title 1">
             <a:extLst>
               <a:ext uri="{FF2B5EF4-FFF2-40B4-BE49-F238E27FC236}">
-                <a16:creationId xmlns:a16="http://schemas.microsoft.com/office/drawing/2014/main" id="{F7B00F36-B145-D6C3-9651-8C3CCE795C00}"/>
+                <a16:creationId xmlns:a16="http://schemas.microsoft.com/office/drawing/2014/main" id="{2A95F487-2DAB-2FDD-C3FB-C9D9A38215D2}"/>
               </a:ext>
             </a:extLst>
           </p:cNvPr>
@@ -3695,7 +4451,7 @@
           <a:p>
             <a:r>
               <a:rPr lang="en-US" dirty="0"/>
-              <a:t>Goals</a:t>
+              <a:t>Spaceship Titanic Competition</a:t>
             </a:r>
           </a:p>
         </p:txBody>
@@ -3705,7 +4461,7 @@
           <p:cNvPr id="3" name="Content Placeholder 2">
             <a:extLst>
               <a:ext uri="{FF2B5EF4-FFF2-40B4-BE49-F238E27FC236}">
-                <a16:creationId xmlns:a16="http://schemas.microsoft.com/office/drawing/2014/main" id="{58BF3836-A8BC-9C7B-C72F-FF82B9C063C8}"/>
+                <a16:creationId xmlns:a16="http://schemas.microsoft.com/office/drawing/2014/main" id="{E21E41B0-7E2E-9996-826D-17BD90CFED7C}"/>
               </a:ext>
             </a:extLst>
           </p:cNvPr>
@@ -3721,14 +4477,14 @@
           <a:bodyPr/>
           <a:lstStyle/>
           <a:p>
-            <a:endParaRPr lang="en-US" dirty="0"/>
+            <a:endParaRPr lang="en-US"/>
           </a:p>
         </p:txBody>
       </p:sp>
     </p:spTree>
     <p:extLst>
       <p:ext uri="{BB962C8B-B14F-4D97-AF65-F5344CB8AC3E}">
-        <p14:creationId xmlns:p14="http://schemas.microsoft.com/office/powerpoint/2010/main" val="221299628"/>
+        <p14:creationId xmlns:p14="http://schemas.microsoft.com/office/powerpoint/2010/main" val="3715185427"/>
       </p:ext>
     </p:extLst>
   </p:cSld>
@@ -3760,7 +4516,7 @@
           <p:cNvPr id="2" name="Title 1">
             <a:extLst>
               <a:ext uri="{FF2B5EF4-FFF2-40B4-BE49-F238E27FC236}">
-                <a16:creationId xmlns:a16="http://schemas.microsoft.com/office/drawing/2014/main" id="{6A2AAD1F-4A1B-D6B7-FE19-BF66B6575FD7}"/>
+                <a16:creationId xmlns:a16="http://schemas.microsoft.com/office/drawing/2014/main" id="{F7B00F36-B145-D6C3-9651-8C3CCE795C00}"/>
               </a:ext>
             </a:extLst>
           </p:cNvPr>
@@ -3778,7 +4534,7 @@
           <a:p>
             <a:r>
               <a:rPr lang="en-US" dirty="0"/>
-              <a:t>Dataset</a:t>
+              <a:t>Goals</a:t>
             </a:r>
           </a:p>
         </p:txBody>
@@ -3788,7 +4544,7 @@
           <p:cNvPr id="3" name="Content Placeholder 2">
             <a:extLst>
               <a:ext uri="{FF2B5EF4-FFF2-40B4-BE49-F238E27FC236}">
-                <a16:creationId xmlns:a16="http://schemas.microsoft.com/office/drawing/2014/main" id="{6AAF07BA-7B4E-9F8F-69F0-9C45FE0D1B27}"/>
+                <a16:creationId xmlns:a16="http://schemas.microsoft.com/office/drawing/2014/main" id="{58BF3836-A8BC-9C7B-C72F-FF82B9C063C8}"/>
               </a:ext>
             </a:extLst>
           </p:cNvPr>
@@ -3811,7 +4567,7 @@
     </p:spTree>
     <p:extLst>
       <p:ext uri="{BB962C8B-B14F-4D97-AF65-F5344CB8AC3E}">
-        <p14:creationId xmlns:p14="http://schemas.microsoft.com/office/powerpoint/2010/main" val="2736441284"/>
+        <p14:creationId xmlns:p14="http://schemas.microsoft.com/office/powerpoint/2010/main" val="221299628"/>
       </p:ext>
     </p:extLst>
   </p:cSld>
@@ -3843,7 +4599,7 @@
           <p:cNvPr id="2" name="Title 1">
             <a:extLst>
               <a:ext uri="{FF2B5EF4-FFF2-40B4-BE49-F238E27FC236}">
-                <a16:creationId xmlns:a16="http://schemas.microsoft.com/office/drawing/2014/main" id="{ED654D9A-AD26-0DC1-E9FD-D3081A9F9A0D}"/>
+                <a16:creationId xmlns:a16="http://schemas.microsoft.com/office/drawing/2014/main" id="{6A2AAD1F-4A1B-D6B7-FE19-BF66B6575FD7}"/>
               </a:ext>
             </a:extLst>
           </p:cNvPr>
@@ -3861,40 +4617,40 @@
           <a:p>
             <a:r>
               <a:rPr lang="en-US" dirty="0"/>
-              <a:t>Data Exploration and Preprocessing</a:t>
-            </a:r>
-          </a:p>
-        </p:txBody>
-      </p:sp>
-      <p:sp>
-        <p:nvSpPr>
-          <p:cNvPr id="3" name="Text Placeholder 2">
-            <a:extLst>
-              <a:ext uri="{FF2B5EF4-FFF2-40B4-BE49-F238E27FC236}">
-                <a16:creationId xmlns:a16="http://schemas.microsoft.com/office/drawing/2014/main" id="{A86AD71D-0502-8489-F482-B326349B3D26}"/>
-              </a:ext>
-            </a:extLst>
-          </p:cNvPr>
-          <p:cNvSpPr>
-            <a:spLocks noGrp="1"/>
-          </p:cNvSpPr>
-          <p:nvPr>
-            <p:ph type="body" idx="1"/>
-          </p:nvPr>
-        </p:nvSpPr>
-        <p:spPr/>
-        <p:txBody>
-          <a:bodyPr/>
-          <a:lstStyle/>
-          <a:p>
-            <a:endParaRPr lang="en-US"/>
+              <a:t>Dataset</a:t>
+            </a:r>
+          </a:p>
+        </p:txBody>
+      </p:sp>
+      <p:sp>
+        <p:nvSpPr>
+          <p:cNvPr id="3" name="Content Placeholder 2">
+            <a:extLst>
+              <a:ext uri="{FF2B5EF4-FFF2-40B4-BE49-F238E27FC236}">
+                <a16:creationId xmlns:a16="http://schemas.microsoft.com/office/drawing/2014/main" id="{6AAF07BA-7B4E-9F8F-69F0-9C45FE0D1B27}"/>
+              </a:ext>
+            </a:extLst>
+          </p:cNvPr>
+          <p:cNvSpPr>
+            <a:spLocks noGrp="1"/>
+          </p:cNvSpPr>
+          <p:nvPr>
+            <p:ph idx="1"/>
+          </p:nvPr>
+        </p:nvSpPr>
+        <p:spPr/>
+        <p:txBody>
+          <a:bodyPr/>
+          <a:lstStyle/>
+          <a:p>
+            <a:endParaRPr lang="en-US" dirty="0"/>
           </a:p>
         </p:txBody>
       </p:sp>
     </p:spTree>
     <p:extLst>
       <p:ext uri="{BB962C8B-B14F-4D97-AF65-F5344CB8AC3E}">
-        <p14:creationId xmlns:p14="http://schemas.microsoft.com/office/powerpoint/2010/main" val="873693039"/>
+        <p14:creationId xmlns:p14="http://schemas.microsoft.com/office/powerpoint/2010/main" val="2736441284"/>
       </p:ext>
     </p:extLst>
   </p:cSld>
@@ -3926,7 +4682,7 @@
           <p:cNvPr id="2" name="Title 1">
             <a:extLst>
               <a:ext uri="{FF2B5EF4-FFF2-40B4-BE49-F238E27FC236}">
-                <a16:creationId xmlns:a16="http://schemas.microsoft.com/office/drawing/2014/main" id="{E92934F0-1A9A-D17C-44A4-19CF85772759}"/>
+                <a16:creationId xmlns:a16="http://schemas.microsoft.com/office/drawing/2014/main" id="{ED654D9A-AD26-0DC1-E9FD-D3081A9F9A0D}"/>
               </a:ext>
             </a:extLst>
           </p:cNvPr>
@@ -3944,25 +4700,25 @@
           <a:p>
             <a:r>
               <a:rPr lang="en-US" dirty="0"/>
-              <a:t>Exploratory Data Analysis</a:t>
-            </a:r>
-          </a:p>
-        </p:txBody>
-      </p:sp>
-      <p:sp>
-        <p:nvSpPr>
-          <p:cNvPr id="3" name="Content Placeholder 2">
-            <a:extLst>
-              <a:ext uri="{FF2B5EF4-FFF2-40B4-BE49-F238E27FC236}">
-                <a16:creationId xmlns:a16="http://schemas.microsoft.com/office/drawing/2014/main" id="{4B53EED3-5541-CEFB-8E2B-7768579E4E19}"/>
-              </a:ext>
-            </a:extLst>
-          </p:cNvPr>
-          <p:cNvSpPr>
-            <a:spLocks noGrp="1"/>
-          </p:cNvSpPr>
-          <p:nvPr>
-            <p:ph idx="1"/>
+              <a:t>Data Exploration and Preprocessing</a:t>
+            </a:r>
+          </a:p>
+        </p:txBody>
+      </p:sp>
+      <p:sp>
+        <p:nvSpPr>
+          <p:cNvPr id="3" name="Text Placeholder 2">
+            <a:extLst>
+              <a:ext uri="{FF2B5EF4-FFF2-40B4-BE49-F238E27FC236}">
+                <a16:creationId xmlns:a16="http://schemas.microsoft.com/office/drawing/2014/main" id="{A86AD71D-0502-8489-F482-B326349B3D26}"/>
+              </a:ext>
+            </a:extLst>
+          </p:cNvPr>
+          <p:cNvSpPr>
+            <a:spLocks noGrp="1"/>
+          </p:cNvSpPr>
+          <p:nvPr>
+            <p:ph type="body" idx="1"/>
           </p:nvPr>
         </p:nvSpPr>
         <p:spPr/>
@@ -3977,7 +4733,7 @@
     </p:spTree>
     <p:extLst>
       <p:ext uri="{BB962C8B-B14F-4D97-AF65-F5344CB8AC3E}">
-        <p14:creationId xmlns:p14="http://schemas.microsoft.com/office/powerpoint/2010/main" val="399575400"/>
+        <p14:creationId xmlns:p14="http://schemas.microsoft.com/office/powerpoint/2010/main" val="873693039"/>
       </p:ext>
     </p:extLst>
   </p:cSld>
@@ -4009,7 +4765,7 @@
           <p:cNvPr id="2" name="Title 1">
             <a:extLst>
               <a:ext uri="{FF2B5EF4-FFF2-40B4-BE49-F238E27FC236}">
-                <a16:creationId xmlns:a16="http://schemas.microsoft.com/office/drawing/2014/main" id="{28941CD9-796A-8F7E-16D3-3091A848F918}"/>
+                <a16:creationId xmlns:a16="http://schemas.microsoft.com/office/drawing/2014/main" id="{E92934F0-1A9A-D17C-44A4-19CF85772759}"/>
               </a:ext>
             </a:extLst>
           </p:cNvPr>
@@ -4027,7 +4783,7 @@
           <a:p>
             <a:r>
               <a:rPr lang="en-US" dirty="0"/>
-              <a:t>Feature Engineering and Missing Data Imputation</a:t>
+              <a:t>Exploratory Data Analysis</a:t>
             </a:r>
           </a:p>
         </p:txBody>
@@ -4037,7 +4793,7 @@
           <p:cNvPr id="3" name="Content Placeholder 2">
             <a:extLst>
               <a:ext uri="{FF2B5EF4-FFF2-40B4-BE49-F238E27FC236}">
-                <a16:creationId xmlns:a16="http://schemas.microsoft.com/office/drawing/2014/main" id="{DAB0918A-0BAB-3ADA-8CA6-C85DFFD1658F}"/>
+                <a16:creationId xmlns:a16="http://schemas.microsoft.com/office/drawing/2014/main" id="{4B53EED3-5541-CEFB-8E2B-7768579E4E19}"/>
               </a:ext>
             </a:extLst>
           </p:cNvPr>
@@ -4060,7 +4816,7 @@
     </p:spTree>
     <p:extLst>
       <p:ext uri="{BB962C8B-B14F-4D97-AF65-F5344CB8AC3E}">
-        <p14:creationId xmlns:p14="http://schemas.microsoft.com/office/powerpoint/2010/main" val="2904331675"/>
+        <p14:creationId xmlns:p14="http://schemas.microsoft.com/office/powerpoint/2010/main" val="399575400"/>
       </p:ext>
     </p:extLst>
   </p:cSld>
@@ -4092,7 +4848,7 @@
           <p:cNvPr id="2" name="Title 1">
             <a:extLst>
               <a:ext uri="{FF2B5EF4-FFF2-40B4-BE49-F238E27FC236}">
-                <a16:creationId xmlns:a16="http://schemas.microsoft.com/office/drawing/2014/main" id="{E7A8DB0B-E154-75E7-0369-F948BA0D6C21}"/>
+                <a16:creationId xmlns:a16="http://schemas.microsoft.com/office/drawing/2014/main" id="{28941CD9-796A-8F7E-16D3-3091A848F918}"/>
               </a:ext>
             </a:extLst>
           </p:cNvPr>
@@ -4110,25 +4866,25 @@
           <a:p>
             <a:r>
               <a:rPr lang="en-US" dirty="0"/>
-              <a:t>Modeling Methodology</a:t>
-            </a:r>
-          </a:p>
-        </p:txBody>
-      </p:sp>
-      <p:sp>
-        <p:nvSpPr>
-          <p:cNvPr id="3" name="Text Placeholder 2">
-            <a:extLst>
-              <a:ext uri="{FF2B5EF4-FFF2-40B4-BE49-F238E27FC236}">
-                <a16:creationId xmlns:a16="http://schemas.microsoft.com/office/drawing/2014/main" id="{8D4F3189-C842-8C50-5E93-1EE744ABF38A}"/>
-              </a:ext>
-            </a:extLst>
-          </p:cNvPr>
-          <p:cNvSpPr>
-            <a:spLocks noGrp="1"/>
-          </p:cNvSpPr>
-          <p:nvPr>
-            <p:ph type="body" idx="1"/>
+              <a:t>Feature Engineering and Missing Data Imputation</a:t>
+            </a:r>
+          </a:p>
+        </p:txBody>
+      </p:sp>
+      <p:sp>
+        <p:nvSpPr>
+          <p:cNvPr id="3" name="Content Placeholder 2">
+            <a:extLst>
+              <a:ext uri="{FF2B5EF4-FFF2-40B4-BE49-F238E27FC236}">
+                <a16:creationId xmlns:a16="http://schemas.microsoft.com/office/drawing/2014/main" id="{DAB0918A-0BAB-3ADA-8CA6-C85DFFD1658F}"/>
+              </a:ext>
+            </a:extLst>
+          </p:cNvPr>
+          <p:cNvSpPr>
+            <a:spLocks noGrp="1"/>
+          </p:cNvSpPr>
+          <p:nvPr>
+            <p:ph idx="1"/>
           </p:nvPr>
         </p:nvSpPr>
         <p:spPr/>
@@ -4143,7 +4899,7 @@
     </p:spTree>
     <p:extLst>
       <p:ext uri="{BB962C8B-B14F-4D97-AF65-F5344CB8AC3E}">
-        <p14:creationId xmlns:p14="http://schemas.microsoft.com/office/powerpoint/2010/main" val="3337540799"/>
+        <p14:creationId xmlns:p14="http://schemas.microsoft.com/office/powerpoint/2010/main" val="2904331675"/>
       </p:ext>
     </p:extLst>
   </p:cSld>
@@ -4175,7 +4931,7 @@
           <p:cNvPr id="2" name="Title 1">
             <a:extLst>
               <a:ext uri="{FF2B5EF4-FFF2-40B4-BE49-F238E27FC236}">
-                <a16:creationId xmlns:a16="http://schemas.microsoft.com/office/drawing/2014/main" id="{4CE63B03-D024-613C-8AEB-32BE96803B18}"/>
+                <a16:creationId xmlns:a16="http://schemas.microsoft.com/office/drawing/2014/main" id="{E7A8DB0B-E154-75E7-0369-F948BA0D6C21}"/>
               </a:ext>
             </a:extLst>
           </p:cNvPr>
@@ -4200,18 +4956,18 @@
       </p:sp>
       <p:sp>
         <p:nvSpPr>
-          <p:cNvPr id="3" name="Content Placeholder 2">
-            <a:extLst>
-              <a:ext uri="{FF2B5EF4-FFF2-40B4-BE49-F238E27FC236}">
-                <a16:creationId xmlns:a16="http://schemas.microsoft.com/office/drawing/2014/main" id="{BF3A622E-DBBB-54EC-D0E1-F2EEB6A11912}"/>
-              </a:ext>
-            </a:extLst>
-          </p:cNvPr>
-          <p:cNvSpPr>
-            <a:spLocks noGrp="1"/>
-          </p:cNvSpPr>
-          <p:nvPr>
-            <p:ph idx="1"/>
+          <p:cNvPr id="3" name="Text Placeholder 2">
+            <a:extLst>
+              <a:ext uri="{FF2B5EF4-FFF2-40B4-BE49-F238E27FC236}">
+                <a16:creationId xmlns:a16="http://schemas.microsoft.com/office/drawing/2014/main" id="{8D4F3189-C842-8C50-5E93-1EE744ABF38A}"/>
+              </a:ext>
+            </a:extLst>
+          </p:cNvPr>
+          <p:cNvSpPr>
+            <a:spLocks noGrp="1"/>
+          </p:cNvSpPr>
+          <p:nvPr>
+            <p:ph type="body" idx="1"/>
           </p:nvPr>
         </p:nvSpPr>
         <p:spPr/>
@@ -4226,7 +4982,7 @@
     </p:spTree>
     <p:extLst>
       <p:ext uri="{BB962C8B-B14F-4D97-AF65-F5344CB8AC3E}">
-        <p14:creationId xmlns:p14="http://schemas.microsoft.com/office/powerpoint/2010/main" val="1113209742"/>
+        <p14:creationId xmlns:p14="http://schemas.microsoft.com/office/powerpoint/2010/main" val="3337540799"/>
       </p:ext>
     </p:extLst>
   </p:cSld>
